--- a/MAD graphics.pptx
+++ b/MAD graphics.pptx
@@ -247,7 +247,7 @@
           <a:p>
             <a:fld id="{43EE3F40-4EFB-4204-B182-96D0ED1EC0D9}" type="datetimeFigureOut">
               <a:rPr lang="en-US" smtClean="0"/>
-              <a:t>1/13/19</a:t>
+              <a:t>1/14/19</a:t>
             </a:fld>
             <a:endParaRPr lang="en-US"/>
           </a:p>
@@ -415,7 +415,7 @@
           <a:p>
             <a:fld id="{43EE3F40-4EFB-4204-B182-96D0ED1EC0D9}" type="datetimeFigureOut">
               <a:rPr lang="en-US" smtClean="0"/>
-              <a:t>1/13/19</a:t>
+              <a:t>1/14/19</a:t>
             </a:fld>
             <a:endParaRPr lang="en-US"/>
           </a:p>
@@ -593,7 +593,7 @@
           <a:p>
             <a:fld id="{43EE3F40-4EFB-4204-B182-96D0ED1EC0D9}" type="datetimeFigureOut">
               <a:rPr lang="en-US" smtClean="0"/>
-              <a:t>1/13/19</a:t>
+              <a:t>1/14/19</a:t>
             </a:fld>
             <a:endParaRPr lang="en-US"/>
           </a:p>
@@ -761,7 +761,7 @@
           <a:p>
             <a:fld id="{43EE3F40-4EFB-4204-B182-96D0ED1EC0D9}" type="datetimeFigureOut">
               <a:rPr lang="en-US" smtClean="0"/>
-              <a:t>1/13/19</a:t>
+              <a:t>1/14/19</a:t>
             </a:fld>
             <a:endParaRPr lang="en-US"/>
           </a:p>
@@ -1006,7 +1006,7 @@
           <a:p>
             <a:fld id="{43EE3F40-4EFB-4204-B182-96D0ED1EC0D9}" type="datetimeFigureOut">
               <a:rPr lang="en-US" smtClean="0"/>
-              <a:t>1/13/19</a:t>
+              <a:t>1/14/19</a:t>
             </a:fld>
             <a:endParaRPr lang="en-US"/>
           </a:p>
@@ -1235,7 +1235,7 @@
           <a:p>
             <a:fld id="{43EE3F40-4EFB-4204-B182-96D0ED1EC0D9}" type="datetimeFigureOut">
               <a:rPr lang="en-US" smtClean="0"/>
-              <a:t>1/13/19</a:t>
+              <a:t>1/14/19</a:t>
             </a:fld>
             <a:endParaRPr lang="en-US"/>
           </a:p>
@@ -1599,7 +1599,7 @@
           <a:p>
             <a:fld id="{43EE3F40-4EFB-4204-B182-96D0ED1EC0D9}" type="datetimeFigureOut">
               <a:rPr lang="en-US" smtClean="0"/>
-              <a:t>1/13/19</a:t>
+              <a:t>1/14/19</a:t>
             </a:fld>
             <a:endParaRPr lang="en-US"/>
           </a:p>
@@ -1716,7 +1716,7 @@
           <a:p>
             <a:fld id="{43EE3F40-4EFB-4204-B182-96D0ED1EC0D9}" type="datetimeFigureOut">
               <a:rPr lang="en-US" smtClean="0"/>
-              <a:t>1/13/19</a:t>
+              <a:t>1/14/19</a:t>
             </a:fld>
             <a:endParaRPr lang="en-US"/>
           </a:p>
@@ -1811,7 +1811,7 @@
           <a:p>
             <a:fld id="{43EE3F40-4EFB-4204-B182-96D0ED1EC0D9}" type="datetimeFigureOut">
               <a:rPr lang="en-US" smtClean="0"/>
-              <a:t>1/13/19</a:t>
+              <a:t>1/14/19</a:t>
             </a:fld>
             <a:endParaRPr lang="en-US"/>
           </a:p>
@@ -2086,7 +2086,7 @@
           <a:p>
             <a:fld id="{43EE3F40-4EFB-4204-B182-96D0ED1EC0D9}" type="datetimeFigureOut">
               <a:rPr lang="en-US" smtClean="0"/>
-              <a:t>1/13/19</a:t>
+              <a:t>1/14/19</a:t>
             </a:fld>
             <a:endParaRPr lang="en-US"/>
           </a:p>
@@ -2338,7 +2338,7 @@
           <a:p>
             <a:fld id="{43EE3F40-4EFB-4204-B182-96D0ED1EC0D9}" type="datetimeFigureOut">
               <a:rPr lang="en-US" smtClean="0"/>
-              <a:t>1/13/19</a:t>
+              <a:t>1/14/19</a:t>
             </a:fld>
             <a:endParaRPr lang="en-US"/>
           </a:p>
@@ -2549,7 +2549,7 @@
           <a:p>
             <a:fld id="{43EE3F40-4EFB-4204-B182-96D0ED1EC0D9}" type="datetimeFigureOut">
               <a:rPr lang="en-US" smtClean="0"/>
-              <a:t>1/13/19</a:t>
+              <a:t>1/14/19</a:t>
             </a:fld>
             <a:endParaRPr lang="en-US"/>
           </a:p>
@@ -3130,7 +3130,7 @@
           <p:cNvPr id="2" name="Picture 8" descr="Image result for handshake clipart">
             <a:extLst>
               <a:ext uri="{FF2B5EF4-FFF2-40B4-BE49-F238E27FC236}">
-                <a16:creationId xmlns:a16="http://schemas.microsoft.com/office/drawing/2014/main" xmlns="" id="{E0D56B39-3F37-4DE4-B43E-88B9B9DFB6F1}"/>
+                <a16:creationId xmlns="" xmlns:a16="http://schemas.microsoft.com/office/drawing/2014/main" id="{E0D56B39-3F37-4DE4-B43E-88B9B9DFB6F1}"/>
               </a:ext>
             </a:extLst>
           </p:cNvPr>
@@ -3185,7 +3185,7 @@
           <p:cNvPr id="37" name="Group 36">
             <a:extLst>
               <a:ext uri="{FF2B5EF4-FFF2-40B4-BE49-F238E27FC236}">
-                <a16:creationId xmlns:a16="http://schemas.microsoft.com/office/drawing/2014/main" xmlns="" id="{37B5A086-3C2A-4897-85F3-010DBFB8F8D5}"/>
+                <a16:creationId xmlns="" xmlns:a16="http://schemas.microsoft.com/office/drawing/2014/main" id="{37B5A086-3C2A-4897-85F3-010DBFB8F8D5}"/>
               </a:ext>
             </a:extLst>
           </p:cNvPr>
@@ -3205,7 +3205,7 @@
             <p:cNvPr id="13" name="Freeform: Shape 12">
               <a:extLst>
                 <a:ext uri="{FF2B5EF4-FFF2-40B4-BE49-F238E27FC236}">
-                  <a16:creationId xmlns:a16="http://schemas.microsoft.com/office/drawing/2014/main" xmlns="" id="{F3B6FC82-E681-4820-BE46-F4131C4E75AD}"/>
+                  <a16:creationId xmlns="" xmlns:a16="http://schemas.microsoft.com/office/drawing/2014/main" id="{F3B6FC82-E681-4820-BE46-F4131C4E75AD}"/>
                 </a:ext>
               </a:extLst>
             </p:cNvPr>
@@ -5634,7 +5634,7 @@
             <p:cNvPr id="14" name="Freeform: Shape 13">
               <a:extLst>
                 <a:ext uri="{FF2B5EF4-FFF2-40B4-BE49-F238E27FC236}">
-                  <a16:creationId xmlns:a16="http://schemas.microsoft.com/office/drawing/2014/main" xmlns="" id="{F86D1530-39FD-4E77-A28F-FA7E07A1F076}"/>
+                  <a16:creationId xmlns="" xmlns:a16="http://schemas.microsoft.com/office/drawing/2014/main" id="{F86D1530-39FD-4E77-A28F-FA7E07A1F076}"/>
                 </a:ext>
               </a:extLst>
             </p:cNvPr>
@@ -6887,7 +6887,7 @@
             <p:cNvPr id="11" name="Freeform: Shape 10">
               <a:extLst>
                 <a:ext uri="{FF2B5EF4-FFF2-40B4-BE49-F238E27FC236}">
-                  <a16:creationId xmlns:a16="http://schemas.microsoft.com/office/drawing/2014/main" xmlns="" id="{11AB0D12-8D38-4418-9402-0DECCB06ACFA}"/>
+                  <a16:creationId xmlns="" xmlns:a16="http://schemas.microsoft.com/office/drawing/2014/main" id="{11AB0D12-8D38-4418-9402-0DECCB06ACFA}"/>
                 </a:ext>
               </a:extLst>
             </p:cNvPr>
@@ -7874,7 +7874,7 @@
             <p:cNvPr id="20" name="Straight Connector 19">
               <a:extLst>
                 <a:ext uri="{FF2B5EF4-FFF2-40B4-BE49-F238E27FC236}">
-                  <a16:creationId xmlns:a16="http://schemas.microsoft.com/office/drawing/2014/main" xmlns="" id="{AB83E8FA-F51A-40E7-8BDF-9DAE2B8D3DDB}"/>
+                  <a16:creationId xmlns="" xmlns:a16="http://schemas.microsoft.com/office/drawing/2014/main" id="{AB83E8FA-F51A-40E7-8BDF-9DAE2B8D3DDB}"/>
                 </a:ext>
               </a:extLst>
             </p:cNvPr>
@@ -7917,7 +7917,7 @@
             <p:cNvPr id="24" name="Straight Connector 23">
               <a:extLst>
                 <a:ext uri="{FF2B5EF4-FFF2-40B4-BE49-F238E27FC236}">
-                  <a16:creationId xmlns:a16="http://schemas.microsoft.com/office/drawing/2014/main" xmlns="" id="{525EF6AD-1635-4F3C-A810-901F31E4F070}"/>
+                  <a16:creationId xmlns="" xmlns:a16="http://schemas.microsoft.com/office/drawing/2014/main" id="{525EF6AD-1635-4F3C-A810-901F31E4F070}"/>
                 </a:ext>
               </a:extLst>
             </p:cNvPr>
@@ -7960,7 +7960,7 @@
             <p:cNvPr id="26" name="Straight Connector 25">
               <a:extLst>
                 <a:ext uri="{FF2B5EF4-FFF2-40B4-BE49-F238E27FC236}">
-                  <a16:creationId xmlns:a16="http://schemas.microsoft.com/office/drawing/2014/main" xmlns="" id="{21EE2A99-C9A3-484B-9766-063B9E5B9D0C}"/>
+                  <a16:creationId xmlns="" xmlns:a16="http://schemas.microsoft.com/office/drawing/2014/main" id="{21EE2A99-C9A3-484B-9766-063B9E5B9D0C}"/>
                 </a:ext>
               </a:extLst>
             </p:cNvPr>
@@ -8003,7 +8003,7 @@
             <p:cNvPr id="29" name="Straight Connector 28">
               <a:extLst>
                 <a:ext uri="{FF2B5EF4-FFF2-40B4-BE49-F238E27FC236}">
-                  <a16:creationId xmlns:a16="http://schemas.microsoft.com/office/drawing/2014/main" xmlns="" id="{6164263E-67B0-44F0-9914-142EA373C1CA}"/>
+                  <a16:creationId xmlns="" xmlns:a16="http://schemas.microsoft.com/office/drawing/2014/main" id="{6164263E-67B0-44F0-9914-142EA373C1CA}"/>
                 </a:ext>
               </a:extLst>
             </p:cNvPr>
@@ -8047,7 +8047,7 @@
             <p:cNvPr id="33" name="Straight Connector 32">
               <a:extLst>
                 <a:ext uri="{FF2B5EF4-FFF2-40B4-BE49-F238E27FC236}">
-                  <a16:creationId xmlns:a16="http://schemas.microsoft.com/office/drawing/2014/main" xmlns="" id="{C4EF93C9-2D6D-4974-8FCE-519599AC2D20}"/>
+                  <a16:creationId xmlns="" xmlns:a16="http://schemas.microsoft.com/office/drawing/2014/main" id="{C4EF93C9-2D6D-4974-8FCE-519599AC2D20}"/>
                 </a:ext>
               </a:extLst>
             </p:cNvPr>
@@ -8091,7 +8091,7 @@
             <p:cNvPr id="35" name="Straight Connector 34">
               <a:extLst>
                 <a:ext uri="{FF2B5EF4-FFF2-40B4-BE49-F238E27FC236}">
-                  <a16:creationId xmlns:a16="http://schemas.microsoft.com/office/drawing/2014/main" xmlns="" id="{36AAB878-0B6C-4048-B6D7-6E92636004F6}"/>
+                  <a16:creationId xmlns="" xmlns:a16="http://schemas.microsoft.com/office/drawing/2014/main" id="{36AAB878-0B6C-4048-B6D7-6E92636004F6}"/>
                 </a:ext>
               </a:extLst>
             </p:cNvPr>
@@ -8135,7 +8135,7 @@
             <p:cNvPr id="5" name="Rectangle: Rounded Corners 4">
               <a:extLst>
                 <a:ext uri="{FF2B5EF4-FFF2-40B4-BE49-F238E27FC236}">
-                  <a16:creationId xmlns:a16="http://schemas.microsoft.com/office/drawing/2014/main" xmlns="" id="{62597ABB-67FE-4BD9-935F-D4FB2239088F}"/>
+                  <a16:creationId xmlns="" xmlns:a16="http://schemas.microsoft.com/office/drawing/2014/main" id="{62597ABB-67FE-4BD9-935F-D4FB2239088F}"/>
                 </a:ext>
               </a:extLst>
             </p:cNvPr>
@@ -8189,7 +8189,7 @@
             <p:cNvPr id="4" name="Rectangle: Rounded Corners 3">
               <a:extLst>
                 <a:ext uri="{FF2B5EF4-FFF2-40B4-BE49-F238E27FC236}">
-                  <a16:creationId xmlns:a16="http://schemas.microsoft.com/office/drawing/2014/main" xmlns="" id="{0DABF62F-5968-4084-AB6E-0D1EF406FE50}"/>
+                  <a16:creationId xmlns="" xmlns:a16="http://schemas.microsoft.com/office/drawing/2014/main" id="{0DABF62F-5968-4084-AB6E-0D1EF406FE50}"/>
                 </a:ext>
               </a:extLst>
             </p:cNvPr>
@@ -8274,7 +8274,7 @@
           <p:cNvPr id="2" name="Picture 6" descr="Image result for suit and tie clipart">
             <a:extLst>
               <a:ext uri="{FF2B5EF4-FFF2-40B4-BE49-F238E27FC236}">
-                <a16:creationId xmlns:a16="http://schemas.microsoft.com/office/drawing/2014/main" xmlns="" id="{644D7278-9C75-4D6E-82FE-6E1A3C5D40D4}"/>
+                <a16:creationId xmlns="" xmlns:a16="http://schemas.microsoft.com/office/drawing/2014/main" id="{644D7278-9C75-4D6E-82FE-6E1A3C5D40D4}"/>
               </a:ext>
             </a:extLst>
           </p:cNvPr>
@@ -8320,7 +8320,7 @@
           <p:cNvPr id="4" name="Freeform: Shape 3">
             <a:extLst>
               <a:ext uri="{FF2B5EF4-FFF2-40B4-BE49-F238E27FC236}">
-                <a16:creationId xmlns:a16="http://schemas.microsoft.com/office/drawing/2014/main" xmlns="" id="{284513D5-4000-4A57-972A-2D24DCA47E3B}"/>
+                <a16:creationId xmlns="" xmlns:a16="http://schemas.microsoft.com/office/drawing/2014/main" id="{284513D5-4000-4A57-972A-2D24DCA47E3B}"/>
               </a:ext>
             </a:extLst>
           </p:cNvPr>
@@ -8433,7 +8433,7 @@
           <p:cNvPr id="9" name="Freeform: Shape 8">
             <a:extLst>
               <a:ext uri="{FF2B5EF4-FFF2-40B4-BE49-F238E27FC236}">
-                <a16:creationId xmlns:a16="http://schemas.microsoft.com/office/drawing/2014/main" xmlns="" id="{81FC90CC-6981-4120-AD47-CFAE36264645}"/>
+                <a16:creationId xmlns="" xmlns:a16="http://schemas.microsoft.com/office/drawing/2014/main" id="{81FC90CC-6981-4120-AD47-CFAE36264645}"/>
               </a:ext>
             </a:extLst>
           </p:cNvPr>
@@ -8942,7 +8942,7 @@
           <p:cNvPr id="10" name="Freeform: Shape 9">
             <a:extLst>
               <a:ext uri="{FF2B5EF4-FFF2-40B4-BE49-F238E27FC236}">
-                <a16:creationId xmlns:a16="http://schemas.microsoft.com/office/drawing/2014/main" xmlns="" id="{DD30778C-56DF-447C-A8A0-B6E56C126A93}"/>
+                <a16:creationId xmlns="" xmlns:a16="http://schemas.microsoft.com/office/drawing/2014/main" id="{DD30778C-56DF-447C-A8A0-B6E56C126A93}"/>
               </a:ext>
             </a:extLst>
           </p:cNvPr>
@@ -9115,7 +9115,7 @@
           <p:cNvPr id="12" name="Freeform: Shape 11">
             <a:extLst>
               <a:ext uri="{FF2B5EF4-FFF2-40B4-BE49-F238E27FC236}">
-                <a16:creationId xmlns:a16="http://schemas.microsoft.com/office/drawing/2014/main" xmlns="" id="{1738008E-5759-4568-90DC-8BABB71CF648}"/>
+                <a16:creationId xmlns="" xmlns:a16="http://schemas.microsoft.com/office/drawing/2014/main" id="{1738008E-5759-4568-90DC-8BABB71CF648}"/>
               </a:ext>
             </a:extLst>
           </p:cNvPr>
@@ -9624,7 +9624,7 @@
           <p:cNvPr id="13" name="Freeform: Shape 12">
             <a:extLst>
               <a:ext uri="{FF2B5EF4-FFF2-40B4-BE49-F238E27FC236}">
-                <a16:creationId xmlns:a16="http://schemas.microsoft.com/office/drawing/2014/main" xmlns="" id="{279D2314-8796-4BA3-8FB0-93A6B8D5AD4F}"/>
+                <a16:creationId xmlns="" xmlns:a16="http://schemas.microsoft.com/office/drawing/2014/main" id="{279D2314-8796-4BA3-8FB0-93A6B8D5AD4F}"/>
               </a:ext>
             </a:extLst>
           </p:cNvPr>
@@ -10149,7 +10149,7 @@
           <p:cNvPr id="14" name="Oval 13">
             <a:extLst>
               <a:ext uri="{FF2B5EF4-FFF2-40B4-BE49-F238E27FC236}">
-                <a16:creationId xmlns:a16="http://schemas.microsoft.com/office/drawing/2014/main" xmlns="" id="{4A106D5C-166B-4391-B23D-2C0F2F7AAA61}"/>
+                <a16:creationId xmlns="" xmlns:a16="http://schemas.microsoft.com/office/drawing/2014/main" id="{4A106D5C-166B-4391-B23D-2C0F2F7AAA61}"/>
               </a:ext>
             </a:extLst>
           </p:cNvPr>
@@ -10203,7 +10203,7 @@
           <p:cNvPr id="16" name="Oval 15">
             <a:extLst>
               <a:ext uri="{FF2B5EF4-FFF2-40B4-BE49-F238E27FC236}">
-                <a16:creationId xmlns:a16="http://schemas.microsoft.com/office/drawing/2014/main" xmlns="" id="{C35DA29D-7DE8-49DD-8FAA-5FC7F75156AD}"/>
+                <a16:creationId xmlns="" xmlns:a16="http://schemas.microsoft.com/office/drawing/2014/main" id="{C35DA29D-7DE8-49DD-8FAA-5FC7F75156AD}"/>
               </a:ext>
             </a:extLst>
           </p:cNvPr>
@@ -10287,7 +10287,7 @@
           <p:cNvPr id="3074" name="Picture 2" descr="Image result for cartoon trophy">
             <a:extLst>
               <a:ext uri="{FF2B5EF4-FFF2-40B4-BE49-F238E27FC236}">
-                <a16:creationId xmlns:a16="http://schemas.microsoft.com/office/drawing/2014/main" xmlns="" id="{F298FD84-68AC-4C50-8BB3-FC8A16787862}"/>
+                <a16:creationId xmlns="" xmlns:a16="http://schemas.microsoft.com/office/drawing/2014/main" id="{F298FD84-68AC-4C50-8BB3-FC8A16787862}"/>
               </a:ext>
             </a:extLst>
           </p:cNvPr>
@@ -10358,7 +10358,7 @@
           <p:cNvPr id="3" name="Picture 4" descr="Image result for competition">
             <a:extLst>
               <a:ext uri="{FF2B5EF4-FFF2-40B4-BE49-F238E27FC236}">
-                <a16:creationId xmlns:a16="http://schemas.microsoft.com/office/drawing/2014/main" xmlns="" id="{07EC825B-F789-42CA-9FD0-BF18A7B08A53}"/>
+                <a16:creationId xmlns="" xmlns:a16="http://schemas.microsoft.com/office/drawing/2014/main" id="{07EC825B-F789-42CA-9FD0-BF18A7B08A53}"/>
               </a:ext>
             </a:extLst>
           </p:cNvPr>
@@ -10413,7 +10413,7 @@
           <p:cNvPr id="25" name="Group 24">
             <a:extLst>
               <a:ext uri="{FF2B5EF4-FFF2-40B4-BE49-F238E27FC236}">
-                <a16:creationId xmlns:a16="http://schemas.microsoft.com/office/drawing/2014/main" xmlns="" id="{9E8040C5-A418-4193-B045-3B84A69DDFF9}"/>
+                <a16:creationId xmlns="" xmlns:a16="http://schemas.microsoft.com/office/drawing/2014/main" id="{9E8040C5-A418-4193-B045-3B84A69DDFF9}"/>
               </a:ext>
             </a:extLst>
           </p:cNvPr>
@@ -10433,7 +10433,7 @@
             <p:cNvPr id="4" name="Star: 10 Points 3">
               <a:extLst>
                 <a:ext uri="{FF2B5EF4-FFF2-40B4-BE49-F238E27FC236}">
-                  <a16:creationId xmlns:a16="http://schemas.microsoft.com/office/drawing/2014/main" xmlns="" id="{EC73F863-5F21-4144-916B-A89630689FDC}"/>
+                  <a16:creationId xmlns="" xmlns:a16="http://schemas.microsoft.com/office/drawing/2014/main" id="{EC73F863-5F21-4144-916B-A89630689FDC}"/>
                 </a:ext>
               </a:extLst>
             </p:cNvPr>
@@ -10487,7 +10487,7 @@
             <p:cNvPr id="24" name="Group 23">
               <a:extLst>
                 <a:ext uri="{FF2B5EF4-FFF2-40B4-BE49-F238E27FC236}">
-                  <a16:creationId xmlns:a16="http://schemas.microsoft.com/office/drawing/2014/main" xmlns="" id="{06195592-370D-4EED-8753-39E7FEABCC9E}"/>
+                  <a16:creationId xmlns="" xmlns:a16="http://schemas.microsoft.com/office/drawing/2014/main" id="{06195592-370D-4EED-8753-39E7FEABCC9E}"/>
                 </a:ext>
               </a:extLst>
             </p:cNvPr>
@@ -10507,7 +10507,7 @@
               <p:cNvPr id="21" name="Cylinder 20">
                 <a:extLst>
                   <a:ext uri="{FF2B5EF4-FFF2-40B4-BE49-F238E27FC236}">
-                    <a16:creationId xmlns:a16="http://schemas.microsoft.com/office/drawing/2014/main" xmlns="" id="{C8F0AF1F-58B4-49D8-8E91-330711FB7660}"/>
+                    <a16:creationId xmlns="" xmlns:a16="http://schemas.microsoft.com/office/drawing/2014/main" id="{C8F0AF1F-58B4-49D8-8E91-330711FB7660}"/>
                   </a:ext>
                 </a:extLst>
               </p:cNvPr>
@@ -10559,7 +10559,7 @@
               <p:cNvPr id="19" name="Flowchart: Collate 18">
                 <a:extLst>
                   <a:ext uri="{FF2B5EF4-FFF2-40B4-BE49-F238E27FC236}">
-                    <a16:creationId xmlns:a16="http://schemas.microsoft.com/office/drawing/2014/main" xmlns="" id="{35FBCC6B-90B2-47AB-AA5E-7451799A4713}"/>
+                    <a16:creationId xmlns="" xmlns:a16="http://schemas.microsoft.com/office/drawing/2014/main" id="{35FBCC6B-90B2-47AB-AA5E-7451799A4713}"/>
                   </a:ext>
                 </a:extLst>
               </p:cNvPr>
@@ -10811,7 +10811,7 @@
               <p:cNvPr id="6" name="Oval 5">
                 <a:extLst>
                   <a:ext uri="{FF2B5EF4-FFF2-40B4-BE49-F238E27FC236}">
-                    <a16:creationId xmlns:a16="http://schemas.microsoft.com/office/drawing/2014/main" xmlns="" id="{B4D59490-E404-40F0-8508-699093A4A651}"/>
+                    <a16:creationId xmlns="" xmlns:a16="http://schemas.microsoft.com/office/drawing/2014/main" id="{B4D59490-E404-40F0-8508-699093A4A651}"/>
                   </a:ext>
                 </a:extLst>
               </p:cNvPr>
@@ -10863,7 +10863,7 @@
               <p:cNvPr id="12" name="Freeform: Shape 11">
                 <a:extLst>
                   <a:ext uri="{FF2B5EF4-FFF2-40B4-BE49-F238E27FC236}">
-                    <a16:creationId xmlns:a16="http://schemas.microsoft.com/office/drawing/2014/main" xmlns="" id="{D916867A-5738-4BB0-8716-3D7A875A111D}"/>
+                    <a16:creationId xmlns="" xmlns:a16="http://schemas.microsoft.com/office/drawing/2014/main" id="{D916867A-5738-4BB0-8716-3D7A875A111D}"/>
                   </a:ext>
                 </a:extLst>
               </p:cNvPr>
@@ -11384,7 +11384,7 @@
               <p:cNvPr id="14" name="Freeform: Shape 13">
                 <a:extLst>
                   <a:ext uri="{FF2B5EF4-FFF2-40B4-BE49-F238E27FC236}">
-                    <a16:creationId xmlns:a16="http://schemas.microsoft.com/office/drawing/2014/main" xmlns="" id="{0A44218B-8C06-4A4A-AB7D-DBD84A406DCE}"/>
+                    <a16:creationId xmlns="" xmlns:a16="http://schemas.microsoft.com/office/drawing/2014/main" id="{0A44218B-8C06-4A4A-AB7D-DBD84A406DCE}"/>
                   </a:ext>
                 </a:extLst>
               </p:cNvPr>
@@ -11954,7 +11954,7 @@
               <p:cNvPr id="15" name="Chord 14">
                 <a:extLst>
                   <a:ext uri="{FF2B5EF4-FFF2-40B4-BE49-F238E27FC236}">
-                    <a16:creationId xmlns:a16="http://schemas.microsoft.com/office/drawing/2014/main" xmlns="" id="{54AB56CB-8C73-491D-B762-6A3CDC9E8970}"/>
+                    <a16:creationId xmlns="" xmlns:a16="http://schemas.microsoft.com/office/drawing/2014/main" id="{54AB56CB-8C73-491D-B762-6A3CDC9E8970}"/>
                   </a:ext>
                 </a:extLst>
               </p:cNvPr>
@@ -12103,7 +12103,7 @@
               <p:cNvPr id="20" name="Chord 19">
                 <a:extLst>
                   <a:ext uri="{FF2B5EF4-FFF2-40B4-BE49-F238E27FC236}">
-                    <a16:creationId xmlns:a16="http://schemas.microsoft.com/office/drawing/2014/main" xmlns="" id="{A44C010E-BAE0-4CF6-886A-E4FCBED500C8}"/>
+                    <a16:creationId xmlns="" xmlns:a16="http://schemas.microsoft.com/office/drawing/2014/main" id="{A44C010E-BAE0-4CF6-886A-E4FCBED500C8}"/>
                   </a:ext>
                 </a:extLst>
               </p:cNvPr>
@@ -12165,7 +12165,7 @@
               <p:cNvPr id="23" name="Flowchart: Terminator 22">
                 <a:extLst>
                   <a:ext uri="{FF2B5EF4-FFF2-40B4-BE49-F238E27FC236}">
-                    <a16:creationId xmlns:a16="http://schemas.microsoft.com/office/drawing/2014/main" xmlns="" id="{73B8A926-24A3-46BE-B47F-6E7C1CA2DC69}"/>
+                    <a16:creationId xmlns="" xmlns:a16="http://schemas.microsoft.com/office/drawing/2014/main" id="{73B8A926-24A3-46BE-B47F-6E7C1CA2DC69}"/>
                   </a:ext>
                 </a:extLst>
               </p:cNvPr>
@@ -12259,7 +12259,7 @@
           <p:cNvPr id="1030" name="Picture 6" descr="Image result for us map outline clip art">
             <a:extLst>
               <a:ext uri="{FF2B5EF4-FFF2-40B4-BE49-F238E27FC236}">
-                <a16:creationId xmlns:a16="http://schemas.microsoft.com/office/drawing/2014/main" xmlns="" id="{7AE576E9-92DA-439F-BFFC-D3AAA5DBEF70}"/>
+                <a16:creationId xmlns="" xmlns:a16="http://schemas.microsoft.com/office/drawing/2014/main" id="{7AE576E9-92DA-439F-BFFC-D3AAA5DBEF70}"/>
               </a:ext>
             </a:extLst>
           </p:cNvPr>
@@ -12306,7 +12306,7 @@
           <p:cNvPr id="13" name="Group 12">
             <a:extLst>
               <a:ext uri="{FF2B5EF4-FFF2-40B4-BE49-F238E27FC236}">
-                <a16:creationId xmlns:a16="http://schemas.microsoft.com/office/drawing/2014/main" xmlns="" id="{BBFCBE47-56BB-494F-A16F-48367D51DCE0}"/>
+                <a16:creationId xmlns="" xmlns:a16="http://schemas.microsoft.com/office/drawing/2014/main" id="{BBFCBE47-56BB-494F-A16F-48367D51DCE0}"/>
               </a:ext>
             </a:extLst>
           </p:cNvPr>
@@ -12326,7 +12326,7 @@
             <p:cNvPr id="12" name="Freeform: Shape 11">
               <a:extLst>
                 <a:ext uri="{FF2B5EF4-FFF2-40B4-BE49-F238E27FC236}">
-                  <a16:creationId xmlns:a16="http://schemas.microsoft.com/office/drawing/2014/main" xmlns="" id="{958BE822-A886-4D42-84EF-693479086180}"/>
+                  <a16:creationId xmlns="" xmlns:a16="http://schemas.microsoft.com/office/drawing/2014/main" id="{958BE822-A886-4D42-84EF-693479086180}"/>
                 </a:ext>
               </a:extLst>
             </p:cNvPr>
@@ -15503,7 +15503,7 @@
             <p:cNvPr id="11" name="Group 10">
               <a:extLst>
                 <a:ext uri="{FF2B5EF4-FFF2-40B4-BE49-F238E27FC236}">
-                  <a16:creationId xmlns:a16="http://schemas.microsoft.com/office/drawing/2014/main" xmlns="" id="{4937D39E-0A97-49CC-851A-9E27EC22F779}"/>
+                  <a16:creationId xmlns="" xmlns:a16="http://schemas.microsoft.com/office/drawing/2014/main" id="{4937D39E-0A97-49CC-851A-9E27EC22F779}"/>
                 </a:ext>
               </a:extLst>
             </p:cNvPr>
@@ -15525,7 +15525,7 @@
               <p:cNvPr id="2" name="Teardrop 1">
                 <a:extLst>
                   <a:ext uri="{FF2B5EF4-FFF2-40B4-BE49-F238E27FC236}">
-                    <a16:creationId xmlns:a16="http://schemas.microsoft.com/office/drawing/2014/main" xmlns="" id="{BE66AD2B-10AD-4A39-B599-04D21F5AE465}"/>
+                    <a16:creationId xmlns="" xmlns:a16="http://schemas.microsoft.com/office/drawing/2014/main" id="{BE66AD2B-10AD-4A39-B599-04D21F5AE465}"/>
                   </a:ext>
                 </a:extLst>
               </p:cNvPr>
@@ -15583,7 +15583,7 @@
               <p:cNvPr id="10" name="Oval 9">
                 <a:extLst>
                   <a:ext uri="{FF2B5EF4-FFF2-40B4-BE49-F238E27FC236}">
-                    <a16:creationId xmlns:a16="http://schemas.microsoft.com/office/drawing/2014/main" xmlns="" id="{08463FDF-36F3-43A3-BFC0-E783521BE851}"/>
+                    <a16:creationId xmlns="" xmlns:a16="http://schemas.microsoft.com/office/drawing/2014/main" id="{08463FDF-36F3-43A3-BFC0-E783521BE851}"/>
                   </a:ext>
                 </a:extLst>
               </p:cNvPr>
@@ -15636,7 +15636,7 @@
             <p:cNvPr id="14" name="Group 13">
               <a:extLst>
                 <a:ext uri="{FF2B5EF4-FFF2-40B4-BE49-F238E27FC236}">
-                  <a16:creationId xmlns:a16="http://schemas.microsoft.com/office/drawing/2014/main" xmlns="" id="{DB87F099-3BB2-4417-B7A0-45B715F5A26B}"/>
+                  <a16:creationId xmlns="" xmlns:a16="http://schemas.microsoft.com/office/drawing/2014/main" id="{DB87F099-3BB2-4417-B7A0-45B715F5A26B}"/>
                 </a:ext>
               </a:extLst>
             </p:cNvPr>
@@ -15658,7 +15658,7 @@
               <p:cNvPr id="15" name="Teardrop 14">
                 <a:extLst>
                   <a:ext uri="{FF2B5EF4-FFF2-40B4-BE49-F238E27FC236}">
-                    <a16:creationId xmlns:a16="http://schemas.microsoft.com/office/drawing/2014/main" xmlns="" id="{6A0B4C84-8F1A-4666-BB58-3E79C4633F6B}"/>
+                    <a16:creationId xmlns="" xmlns:a16="http://schemas.microsoft.com/office/drawing/2014/main" id="{6A0B4C84-8F1A-4666-BB58-3E79C4633F6B}"/>
                   </a:ext>
                 </a:extLst>
               </p:cNvPr>
@@ -15716,7 +15716,7 @@
               <p:cNvPr id="16" name="Oval 15">
                 <a:extLst>
                   <a:ext uri="{FF2B5EF4-FFF2-40B4-BE49-F238E27FC236}">
-                    <a16:creationId xmlns:a16="http://schemas.microsoft.com/office/drawing/2014/main" xmlns="" id="{C41C21C0-782C-4504-AEE5-E44DE2E5FFC8}"/>
+                    <a16:creationId xmlns="" xmlns:a16="http://schemas.microsoft.com/office/drawing/2014/main" id="{C41C21C0-782C-4504-AEE5-E44DE2E5FFC8}"/>
                   </a:ext>
                 </a:extLst>
               </p:cNvPr>
@@ -15769,7 +15769,7 @@
             <p:cNvPr id="17" name="Group 16">
               <a:extLst>
                 <a:ext uri="{FF2B5EF4-FFF2-40B4-BE49-F238E27FC236}">
-                  <a16:creationId xmlns:a16="http://schemas.microsoft.com/office/drawing/2014/main" xmlns="" id="{292119EB-0A30-44AE-974F-4BA82A99D15A}"/>
+                  <a16:creationId xmlns="" xmlns:a16="http://schemas.microsoft.com/office/drawing/2014/main" id="{292119EB-0A30-44AE-974F-4BA82A99D15A}"/>
                 </a:ext>
               </a:extLst>
             </p:cNvPr>
@@ -15791,7 +15791,7 @@
               <p:cNvPr id="18" name="Teardrop 17">
                 <a:extLst>
                   <a:ext uri="{FF2B5EF4-FFF2-40B4-BE49-F238E27FC236}">
-                    <a16:creationId xmlns:a16="http://schemas.microsoft.com/office/drawing/2014/main" xmlns="" id="{38CA27AD-FFE3-468B-ABE4-715596788AAB}"/>
+                    <a16:creationId xmlns="" xmlns:a16="http://schemas.microsoft.com/office/drawing/2014/main" id="{38CA27AD-FFE3-468B-ABE4-715596788AAB}"/>
                   </a:ext>
                 </a:extLst>
               </p:cNvPr>
@@ -15849,7 +15849,7 @@
               <p:cNvPr id="19" name="Oval 18">
                 <a:extLst>
                   <a:ext uri="{FF2B5EF4-FFF2-40B4-BE49-F238E27FC236}">
-                    <a16:creationId xmlns:a16="http://schemas.microsoft.com/office/drawing/2014/main" xmlns="" id="{6A7A1020-716C-441E-893B-A398B94CED33}"/>
+                    <a16:creationId xmlns="" xmlns:a16="http://schemas.microsoft.com/office/drawing/2014/main" id="{6A7A1020-716C-441E-893B-A398B94CED33}"/>
                   </a:ext>
                 </a:extLst>
               </p:cNvPr>
@@ -15902,7 +15902,7 @@
             <p:cNvPr id="20" name="Group 19">
               <a:extLst>
                 <a:ext uri="{FF2B5EF4-FFF2-40B4-BE49-F238E27FC236}">
-                  <a16:creationId xmlns:a16="http://schemas.microsoft.com/office/drawing/2014/main" xmlns="" id="{79392E7E-D18A-4598-B663-CF74A9D4CC88}"/>
+                  <a16:creationId xmlns="" xmlns:a16="http://schemas.microsoft.com/office/drawing/2014/main" id="{79392E7E-D18A-4598-B663-CF74A9D4CC88}"/>
                 </a:ext>
               </a:extLst>
             </p:cNvPr>
@@ -15924,7 +15924,7 @@
               <p:cNvPr id="21" name="Teardrop 20">
                 <a:extLst>
                   <a:ext uri="{FF2B5EF4-FFF2-40B4-BE49-F238E27FC236}">
-                    <a16:creationId xmlns:a16="http://schemas.microsoft.com/office/drawing/2014/main" xmlns="" id="{B7D0DA67-6809-40AE-97E0-5C7A9D671798}"/>
+                    <a16:creationId xmlns="" xmlns:a16="http://schemas.microsoft.com/office/drawing/2014/main" id="{B7D0DA67-6809-40AE-97E0-5C7A9D671798}"/>
                   </a:ext>
                 </a:extLst>
               </p:cNvPr>
@@ -15982,7 +15982,7 @@
               <p:cNvPr id="22" name="Oval 21">
                 <a:extLst>
                   <a:ext uri="{FF2B5EF4-FFF2-40B4-BE49-F238E27FC236}">
-                    <a16:creationId xmlns:a16="http://schemas.microsoft.com/office/drawing/2014/main" xmlns="" id="{BDDC4FFF-9B8D-4F8D-8F32-659F60CE1570}"/>
+                    <a16:creationId xmlns="" xmlns:a16="http://schemas.microsoft.com/office/drawing/2014/main" id="{BDDC4FFF-9B8D-4F8D-8F32-659F60CE1570}"/>
                   </a:ext>
                 </a:extLst>
               </p:cNvPr>
@@ -16035,7 +16035,7 @@
             <p:cNvPr id="23" name="Group 22">
               <a:extLst>
                 <a:ext uri="{FF2B5EF4-FFF2-40B4-BE49-F238E27FC236}">
-                  <a16:creationId xmlns:a16="http://schemas.microsoft.com/office/drawing/2014/main" xmlns="" id="{1BAA811F-1322-4ADC-8677-B69D9B0C41DD}"/>
+                  <a16:creationId xmlns="" xmlns:a16="http://schemas.microsoft.com/office/drawing/2014/main" id="{1BAA811F-1322-4ADC-8677-B69D9B0C41DD}"/>
                 </a:ext>
               </a:extLst>
             </p:cNvPr>
@@ -16057,7 +16057,7 @@
               <p:cNvPr id="24" name="Teardrop 23">
                 <a:extLst>
                   <a:ext uri="{FF2B5EF4-FFF2-40B4-BE49-F238E27FC236}">
-                    <a16:creationId xmlns:a16="http://schemas.microsoft.com/office/drawing/2014/main" xmlns="" id="{EABC1A7B-15F6-428D-8AB6-B1F1D704E51E}"/>
+                    <a16:creationId xmlns="" xmlns:a16="http://schemas.microsoft.com/office/drawing/2014/main" id="{EABC1A7B-15F6-428D-8AB6-B1F1D704E51E}"/>
                   </a:ext>
                 </a:extLst>
               </p:cNvPr>
@@ -16115,7 +16115,7 @@
               <p:cNvPr id="25" name="Oval 24">
                 <a:extLst>
                   <a:ext uri="{FF2B5EF4-FFF2-40B4-BE49-F238E27FC236}">
-                    <a16:creationId xmlns:a16="http://schemas.microsoft.com/office/drawing/2014/main" xmlns="" id="{4FE3394E-5D7E-401C-9563-91F8338CBB90}"/>
+                    <a16:creationId xmlns="" xmlns:a16="http://schemas.microsoft.com/office/drawing/2014/main" id="{4FE3394E-5D7E-401C-9563-91F8338CBB90}"/>
                   </a:ext>
                 </a:extLst>
               </p:cNvPr>
@@ -16168,7 +16168,7 @@
             <p:cNvPr id="26" name="Group 25">
               <a:extLst>
                 <a:ext uri="{FF2B5EF4-FFF2-40B4-BE49-F238E27FC236}">
-                  <a16:creationId xmlns:a16="http://schemas.microsoft.com/office/drawing/2014/main" xmlns="" id="{08D2D13E-9B42-48F2-BB7D-48778542A8D9}"/>
+                  <a16:creationId xmlns="" xmlns:a16="http://schemas.microsoft.com/office/drawing/2014/main" id="{08D2D13E-9B42-48F2-BB7D-48778542A8D9}"/>
                 </a:ext>
               </a:extLst>
             </p:cNvPr>
@@ -16190,7 +16190,7 @@
               <p:cNvPr id="27" name="Teardrop 26">
                 <a:extLst>
                   <a:ext uri="{FF2B5EF4-FFF2-40B4-BE49-F238E27FC236}">
-                    <a16:creationId xmlns:a16="http://schemas.microsoft.com/office/drawing/2014/main" xmlns="" id="{6094DD7A-D3B2-4396-9DA6-C9B49AB5A9F2}"/>
+                    <a16:creationId xmlns="" xmlns:a16="http://schemas.microsoft.com/office/drawing/2014/main" id="{6094DD7A-D3B2-4396-9DA6-C9B49AB5A9F2}"/>
                   </a:ext>
                 </a:extLst>
               </p:cNvPr>
@@ -16248,7 +16248,7 @@
               <p:cNvPr id="28" name="Oval 27">
                 <a:extLst>
                   <a:ext uri="{FF2B5EF4-FFF2-40B4-BE49-F238E27FC236}">
-                    <a16:creationId xmlns:a16="http://schemas.microsoft.com/office/drawing/2014/main" xmlns="" id="{1DCF643E-B470-4AF1-84AC-F8E5714035BD}"/>
+                    <a16:creationId xmlns="" xmlns:a16="http://schemas.microsoft.com/office/drawing/2014/main" id="{1DCF643E-B470-4AF1-84AC-F8E5714035BD}"/>
                   </a:ext>
                 </a:extLst>
               </p:cNvPr>
@@ -16301,7 +16301,7 @@
             <p:cNvPr id="29" name="Group 28">
               <a:extLst>
                 <a:ext uri="{FF2B5EF4-FFF2-40B4-BE49-F238E27FC236}">
-                  <a16:creationId xmlns:a16="http://schemas.microsoft.com/office/drawing/2014/main" xmlns="" id="{019309F2-16A4-4393-A179-05200752BCCC}"/>
+                  <a16:creationId xmlns="" xmlns:a16="http://schemas.microsoft.com/office/drawing/2014/main" id="{019309F2-16A4-4393-A179-05200752BCCC}"/>
                 </a:ext>
               </a:extLst>
             </p:cNvPr>
@@ -16323,7 +16323,7 @@
               <p:cNvPr id="30" name="Teardrop 29">
                 <a:extLst>
                   <a:ext uri="{FF2B5EF4-FFF2-40B4-BE49-F238E27FC236}">
-                    <a16:creationId xmlns:a16="http://schemas.microsoft.com/office/drawing/2014/main" xmlns="" id="{52F82B46-BDF6-4331-9337-2BA8CA014221}"/>
+                    <a16:creationId xmlns="" xmlns:a16="http://schemas.microsoft.com/office/drawing/2014/main" id="{52F82B46-BDF6-4331-9337-2BA8CA014221}"/>
                   </a:ext>
                 </a:extLst>
               </p:cNvPr>
@@ -16381,7 +16381,7 @@
               <p:cNvPr id="31" name="Oval 30">
                 <a:extLst>
                   <a:ext uri="{FF2B5EF4-FFF2-40B4-BE49-F238E27FC236}">
-                    <a16:creationId xmlns:a16="http://schemas.microsoft.com/office/drawing/2014/main" xmlns="" id="{14D8E55C-8584-4C0B-9808-5D7F60F0FF17}"/>
+                    <a16:creationId xmlns="" xmlns:a16="http://schemas.microsoft.com/office/drawing/2014/main" id="{14D8E55C-8584-4C0B-9808-5D7F60F0FF17}"/>
                   </a:ext>
                 </a:extLst>
               </p:cNvPr>
@@ -16434,7 +16434,7 @@
             <p:cNvPr id="32" name="Group 31">
               <a:extLst>
                 <a:ext uri="{FF2B5EF4-FFF2-40B4-BE49-F238E27FC236}">
-                  <a16:creationId xmlns:a16="http://schemas.microsoft.com/office/drawing/2014/main" xmlns="" id="{F69DEFCC-E2D7-425C-94D6-F8738BB3B4D3}"/>
+                  <a16:creationId xmlns="" xmlns:a16="http://schemas.microsoft.com/office/drawing/2014/main" id="{F69DEFCC-E2D7-425C-94D6-F8738BB3B4D3}"/>
                 </a:ext>
               </a:extLst>
             </p:cNvPr>
@@ -16456,7 +16456,7 @@
               <p:cNvPr id="33" name="Teardrop 32">
                 <a:extLst>
                   <a:ext uri="{FF2B5EF4-FFF2-40B4-BE49-F238E27FC236}">
-                    <a16:creationId xmlns:a16="http://schemas.microsoft.com/office/drawing/2014/main" xmlns="" id="{F04228C5-9379-4D12-A156-E91DB995F528}"/>
+                    <a16:creationId xmlns="" xmlns:a16="http://schemas.microsoft.com/office/drawing/2014/main" id="{F04228C5-9379-4D12-A156-E91DB995F528}"/>
                   </a:ext>
                 </a:extLst>
               </p:cNvPr>
@@ -16514,7 +16514,7 @@
               <p:cNvPr id="34" name="Oval 33">
                 <a:extLst>
                   <a:ext uri="{FF2B5EF4-FFF2-40B4-BE49-F238E27FC236}">
-                    <a16:creationId xmlns:a16="http://schemas.microsoft.com/office/drawing/2014/main" xmlns="" id="{A8AEA2E9-D6F0-4E86-A2CA-0753245F2583}"/>
+                    <a16:creationId xmlns="" xmlns:a16="http://schemas.microsoft.com/office/drawing/2014/main" id="{A8AEA2E9-D6F0-4E86-A2CA-0753245F2583}"/>
                   </a:ext>
                 </a:extLst>
               </p:cNvPr>
@@ -16567,7 +16567,7 @@
             <p:cNvPr id="35" name="Group 34">
               <a:extLst>
                 <a:ext uri="{FF2B5EF4-FFF2-40B4-BE49-F238E27FC236}">
-                  <a16:creationId xmlns:a16="http://schemas.microsoft.com/office/drawing/2014/main" xmlns="" id="{3F5C821A-787A-459A-B0E1-9A3629081B85}"/>
+                  <a16:creationId xmlns="" xmlns:a16="http://schemas.microsoft.com/office/drawing/2014/main" id="{3F5C821A-787A-459A-B0E1-9A3629081B85}"/>
                 </a:ext>
               </a:extLst>
             </p:cNvPr>
@@ -16589,7 +16589,7 @@
               <p:cNvPr id="36" name="Teardrop 35">
                 <a:extLst>
                   <a:ext uri="{FF2B5EF4-FFF2-40B4-BE49-F238E27FC236}">
-                    <a16:creationId xmlns:a16="http://schemas.microsoft.com/office/drawing/2014/main" xmlns="" id="{41FACC48-7432-4ACD-B077-57E211C89BB7}"/>
+                    <a16:creationId xmlns="" xmlns:a16="http://schemas.microsoft.com/office/drawing/2014/main" id="{41FACC48-7432-4ACD-B077-57E211C89BB7}"/>
                   </a:ext>
                 </a:extLst>
               </p:cNvPr>
@@ -16647,7 +16647,7 @@
               <p:cNvPr id="37" name="Oval 36">
                 <a:extLst>
                   <a:ext uri="{FF2B5EF4-FFF2-40B4-BE49-F238E27FC236}">
-                    <a16:creationId xmlns:a16="http://schemas.microsoft.com/office/drawing/2014/main" xmlns="" id="{242F65F9-948D-408A-957D-2F2BCF224CCA}"/>
+                    <a16:creationId xmlns="" xmlns:a16="http://schemas.microsoft.com/office/drawing/2014/main" id="{242F65F9-948D-408A-957D-2F2BCF224CCA}"/>
                   </a:ext>
                 </a:extLst>
               </p:cNvPr>
@@ -16700,7 +16700,7 @@
             <p:cNvPr id="42" name="Group 41">
               <a:extLst>
                 <a:ext uri="{FF2B5EF4-FFF2-40B4-BE49-F238E27FC236}">
-                  <a16:creationId xmlns:a16="http://schemas.microsoft.com/office/drawing/2014/main" xmlns="" id="{E8B68D90-229C-43AA-86EA-BD8F199E47B3}"/>
+                  <a16:creationId xmlns="" xmlns:a16="http://schemas.microsoft.com/office/drawing/2014/main" id="{E8B68D90-229C-43AA-86EA-BD8F199E47B3}"/>
                 </a:ext>
               </a:extLst>
             </p:cNvPr>
@@ -16722,7 +16722,7 @@
               <p:cNvPr id="43" name="Teardrop 42">
                 <a:extLst>
                   <a:ext uri="{FF2B5EF4-FFF2-40B4-BE49-F238E27FC236}">
-                    <a16:creationId xmlns:a16="http://schemas.microsoft.com/office/drawing/2014/main" xmlns="" id="{70CC5E62-77A3-4E6C-9CAA-B5C8416C88E6}"/>
+                    <a16:creationId xmlns="" xmlns:a16="http://schemas.microsoft.com/office/drawing/2014/main" id="{70CC5E62-77A3-4E6C-9CAA-B5C8416C88E6}"/>
                   </a:ext>
                 </a:extLst>
               </p:cNvPr>
@@ -16780,7 +16780,7 @@
               <p:cNvPr id="44" name="Oval 43">
                 <a:extLst>
                   <a:ext uri="{FF2B5EF4-FFF2-40B4-BE49-F238E27FC236}">
-                    <a16:creationId xmlns:a16="http://schemas.microsoft.com/office/drawing/2014/main" xmlns="" id="{1D565EA1-C3C5-49F0-9912-74CF06CCE342}"/>
+                    <a16:creationId xmlns="" xmlns:a16="http://schemas.microsoft.com/office/drawing/2014/main" id="{1D565EA1-C3C5-49F0-9912-74CF06CCE342}"/>
                   </a:ext>
                 </a:extLst>
               </p:cNvPr>
@@ -16833,7 +16833,7 @@
             <p:cNvPr id="45" name="Group 44">
               <a:extLst>
                 <a:ext uri="{FF2B5EF4-FFF2-40B4-BE49-F238E27FC236}">
-                  <a16:creationId xmlns:a16="http://schemas.microsoft.com/office/drawing/2014/main" xmlns="" id="{8E10FD05-A750-4054-AFE6-B3643E860286}"/>
+                  <a16:creationId xmlns="" xmlns:a16="http://schemas.microsoft.com/office/drawing/2014/main" id="{8E10FD05-A750-4054-AFE6-B3643E860286}"/>
                 </a:ext>
               </a:extLst>
             </p:cNvPr>
@@ -16855,7 +16855,7 @@
               <p:cNvPr id="46" name="Teardrop 45">
                 <a:extLst>
                   <a:ext uri="{FF2B5EF4-FFF2-40B4-BE49-F238E27FC236}">
-                    <a16:creationId xmlns:a16="http://schemas.microsoft.com/office/drawing/2014/main" xmlns="" id="{E9DC0E49-CADA-4732-8FD5-0C81B783D1C1}"/>
+                    <a16:creationId xmlns="" xmlns:a16="http://schemas.microsoft.com/office/drawing/2014/main" id="{E9DC0E49-CADA-4732-8FD5-0C81B783D1C1}"/>
                   </a:ext>
                 </a:extLst>
               </p:cNvPr>
@@ -16913,7 +16913,7 @@
               <p:cNvPr id="47" name="Oval 46">
                 <a:extLst>
                   <a:ext uri="{FF2B5EF4-FFF2-40B4-BE49-F238E27FC236}">
-                    <a16:creationId xmlns:a16="http://schemas.microsoft.com/office/drawing/2014/main" xmlns="" id="{E2609AF1-E9F0-46EE-B569-63C4CACED33F}"/>
+                    <a16:creationId xmlns="" xmlns:a16="http://schemas.microsoft.com/office/drawing/2014/main" id="{E2609AF1-E9F0-46EE-B569-63C4CACED33F}"/>
                   </a:ext>
                 </a:extLst>
               </p:cNvPr>
@@ -16997,7 +16997,7 @@
           <p:cNvPr id="4098" name="Picture 2" descr="Image result for balance clipart">
             <a:extLst>
               <a:ext uri="{FF2B5EF4-FFF2-40B4-BE49-F238E27FC236}">
-                <a16:creationId xmlns:a16="http://schemas.microsoft.com/office/drawing/2014/main" xmlns="" id="{6DEF41F0-4DF6-453C-919F-9E4A6CFD4BA5}"/>
+                <a16:creationId xmlns="" xmlns:a16="http://schemas.microsoft.com/office/drawing/2014/main" id="{6DEF41F0-4DF6-453C-919F-9E4A6CFD4BA5}"/>
               </a:ext>
             </a:extLst>
           </p:cNvPr>
@@ -17045,7 +17045,7 @@
           <p:cNvPr id="7" name="Group 6">
             <a:extLst>
               <a:ext uri="{FF2B5EF4-FFF2-40B4-BE49-F238E27FC236}">
-                <a16:creationId xmlns:a16="http://schemas.microsoft.com/office/drawing/2014/main" xmlns="" id="{9B664E1F-D4EA-4CAE-8BCB-A13C535F2C02}"/>
+                <a16:creationId xmlns="" xmlns:a16="http://schemas.microsoft.com/office/drawing/2014/main" id="{9B664E1F-D4EA-4CAE-8BCB-A13C535F2C02}"/>
               </a:ext>
             </a:extLst>
           </p:cNvPr>
@@ -17071,7 +17071,7 @@
             <p:cNvPr id="4" name="Teardrop 3">
               <a:extLst>
                 <a:ext uri="{FF2B5EF4-FFF2-40B4-BE49-F238E27FC236}">
-                  <a16:creationId xmlns:a16="http://schemas.microsoft.com/office/drawing/2014/main" xmlns="" id="{67348ED1-DA3C-4258-A11E-A64A2A8974E0}"/>
+                  <a16:creationId xmlns="" xmlns:a16="http://schemas.microsoft.com/office/drawing/2014/main" id="{67348ED1-DA3C-4258-A11E-A64A2A8974E0}"/>
                 </a:ext>
               </a:extLst>
             </p:cNvPr>
@@ -17125,7 +17125,7 @@
             <p:cNvPr id="9" name="Teardrop 8">
               <a:extLst>
                 <a:ext uri="{FF2B5EF4-FFF2-40B4-BE49-F238E27FC236}">
-                  <a16:creationId xmlns:a16="http://schemas.microsoft.com/office/drawing/2014/main" xmlns="" id="{9EE75D87-B7FF-4322-AEF4-BF90EC355EE0}"/>
+                  <a16:creationId xmlns="" xmlns:a16="http://schemas.microsoft.com/office/drawing/2014/main" id="{9EE75D87-B7FF-4322-AEF4-BF90EC355EE0}"/>
                 </a:ext>
               </a:extLst>
             </p:cNvPr>
@@ -17180,7 +17180,7 @@
           <p:cNvPr id="26" name="Group 25">
             <a:extLst>
               <a:ext uri="{FF2B5EF4-FFF2-40B4-BE49-F238E27FC236}">
-                <a16:creationId xmlns:a16="http://schemas.microsoft.com/office/drawing/2014/main" xmlns="" id="{0AC926E7-0507-4959-B209-AFDA39198F78}"/>
+                <a16:creationId xmlns="" xmlns:a16="http://schemas.microsoft.com/office/drawing/2014/main" id="{0AC926E7-0507-4959-B209-AFDA39198F78}"/>
               </a:ext>
             </a:extLst>
           </p:cNvPr>
@@ -17200,7 +17200,7 @@
             <p:cNvPr id="13" name="Freeform: Shape 12">
               <a:extLst>
                 <a:ext uri="{FF2B5EF4-FFF2-40B4-BE49-F238E27FC236}">
-                  <a16:creationId xmlns:a16="http://schemas.microsoft.com/office/drawing/2014/main" xmlns="" id="{F023900F-DEA9-4B44-B7BB-74C323EA7A7F}"/>
+                  <a16:creationId xmlns="" xmlns:a16="http://schemas.microsoft.com/office/drawing/2014/main" id="{F023900F-DEA9-4B44-B7BB-74C323EA7A7F}"/>
                 </a:ext>
               </a:extLst>
             </p:cNvPr>
@@ -17298,7 +17298,7 @@
             <p:cNvPr id="16" name="Freeform: Shape 15">
               <a:extLst>
                 <a:ext uri="{FF2B5EF4-FFF2-40B4-BE49-F238E27FC236}">
-                  <a16:creationId xmlns:a16="http://schemas.microsoft.com/office/drawing/2014/main" xmlns="" id="{20C2A6D8-5E85-4F5C-A2F2-DA2006C0BCC6}"/>
+                  <a16:creationId xmlns="" xmlns:a16="http://schemas.microsoft.com/office/drawing/2014/main" id="{20C2A6D8-5E85-4F5C-A2F2-DA2006C0BCC6}"/>
                 </a:ext>
               </a:extLst>
             </p:cNvPr>
@@ -17396,7 +17396,7 @@
             <p:cNvPr id="17" name="Freeform: Shape 16">
               <a:extLst>
                 <a:ext uri="{FF2B5EF4-FFF2-40B4-BE49-F238E27FC236}">
-                  <a16:creationId xmlns:a16="http://schemas.microsoft.com/office/drawing/2014/main" xmlns="" id="{9187A4E5-82E0-4B63-B7D5-A3FB12E558C9}"/>
+                  <a16:creationId xmlns="" xmlns:a16="http://schemas.microsoft.com/office/drawing/2014/main" id="{9187A4E5-82E0-4B63-B7D5-A3FB12E558C9}"/>
                 </a:ext>
               </a:extLst>
             </p:cNvPr>
@@ -17494,7 +17494,7 @@
             <p:cNvPr id="18" name="Freeform: Shape 17">
               <a:extLst>
                 <a:ext uri="{FF2B5EF4-FFF2-40B4-BE49-F238E27FC236}">
-                  <a16:creationId xmlns:a16="http://schemas.microsoft.com/office/drawing/2014/main" xmlns="" id="{49B2596F-B6DD-4491-A51E-2E65B46B2262}"/>
+                  <a16:creationId xmlns="" xmlns:a16="http://schemas.microsoft.com/office/drawing/2014/main" id="{49B2596F-B6DD-4491-A51E-2E65B46B2262}"/>
                 </a:ext>
               </a:extLst>
             </p:cNvPr>
@@ -17592,7 +17592,7 @@
             <p:cNvPr id="15" name="Chord 14">
               <a:extLst>
                 <a:ext uri="{FF2B5EF4-FFF2-40B4-BE49-F238E27FC236}">
-                  <a16:creationId xmlns:a16="http://schemas.microsoft.com/office/drawing/2014/main" xmlns="" id="{24C4569B-5CDC-46CF-946A-03DBD0148DDC}"/>
+                  <a16:creationId xmlns="" xmlns:a16="http://schemas.microsoft.com/office/drawing/2014/main" id="{24C4569B-5CDC-46CF-946A-03DBD0148DDC}"/>
                 </a:ext>
               </a:extLst>
             </p:cNvPr>
@@ -17655,7 +17655,7 @@
             <p:cNvPr id="20" name="Chord 19">
               <a:extLst>
                 <a:ext uri="{FF2B5EF4-FFF2-40B4-BE49-F238E27FC236}">
-                  <a16:creationId xmlns:a16="http://schemas.microsoft.com/office/drawing/2014/main" xmlns="" id="{A71C117F-4DB1-47D4-85F2-66AB87C5377A}"/>
+                  <a16:creationId xmlns="" xmlns:a16="http://schemas.microsoft.com/office/drawing/2014/main" id="{A71C117F-4DB1-47D4-85F2-66AB87C5377A}"/>
                 </a:ext>
               </a:extLst>
             </p:cNvPr>
@@ -17718,7 +17718,7 @@
             <p:cNvPr id="21" name="Flowchart: Decision 20">
               <a:extLst>
                 <a:ext uri="{FF2B5EF4-FFF2-40B4-BE49-F238E27FC236}">
-                  <a16:creationId xmlns:a16="http://schemas.microsoft.com/office/drawing/2014/main" xmlns="" id="{71CFD1F0-A43B-4875-9AF4-52E1E6BCF044}"/>
+                  <a16:creationId xmlns="" xmlns:a16="http://schemas.microsoft.com/office/drawing/2014/main" id="{71CFD1F0-A43B-4875-9AF4-52E1E6BCF044}"/>
                 </a:ext>
               </a:extLst>
             </p:cNvPr>
@@ -17778,7 +17778,7 @@
             <p:cNvPr id="22" name="Freeform: Shape 21">
               <a:extLst>
                 <a:ext uri="{FF2B5EF4-FFF2-40B4-BE49-F238E27FC236}">
-                  <a16:creationId xmlns:a16="http://schemas.microsoft.com/office/drawing/2014/main" xmlns="" id="{5C40A64D-94C0-475D-8D27-B0983E114717}"/>
+                  <a16:creationId xmlns="" xmlns:a16="http://schemas.microsoft.com/office/drawing/2014/main" id="{5C40A64D-94C0-475D-8D27-B0983E114717}"/>
                 </a:ext>
               </a:extLst>
             </p:cNvPr>
@@ -17885,7 +17885,7 @@
             <p:cNvPr id="24" name="Freeform: Shape 23">
               <a:extLst>
                 <a:ext uri="{FF2B5EF4-FFF2-40B4-BE49-F238E27FC236}">
-                  <a16:creationId xmlns:a16="http://schemas.microsoft.com/office/drawing/2014/main" xmlns="" id="{4237BDD1-B574-49B3-AF49-83948B8C00C3}"/>
+                  <a16:creationId xmlns="" xmlns:a16="http://schemas.microsoft.com/office/drawing/2014/main" id="{4237BDD1-B574-49B3-AF49-83948B8C00C3}"/>
                 </a:ext>
               </a:extLst>
             </p:cNvPr>
@@ -17992,7 +17992,7 @@
             <p:cNvPr id="25" name="Freeform: Shape 24">
               <a:extLst>
                 <a:ext uri="{FF2B5EF4-FFF2-40B4-BE49-F238E27FC236}">
-                  <a16:creationId xmlns:a16="http://schemas.microsoft.com/office/drawing/2014/main" xmlns="" id="{0336C61D-5DDE-4F60-ACBF-6564D984D07A}"/>
+                  <a16:creationId xmlns="" xmlns:a16="http://schemas.microsoft.com/office/drawing/2014/main" id="{0336C61D-5DDE-4F60-ACBF-6564D984D07A}"/>
                 </a:ext>
               </a:extLst>
             </p:cNvPr>
@@ -18119,7 +18119,7 @@
             <p:cNvPr id="23" name="Trapezoid 22">
               <a:extLst>
                 <a:ext uri="{FF2B5EF4-FFF2-40B4-BE49-F238E27FC236}">
-                  <a16:creationId xmlns:a16="http://schemas.microsoft.com/office/drawing/2014/main" xmlns="" id="{BE1990A5-B2E7-4281-B75A-4C46CAD0C87D}"/>
+                  <a16:creationId xmlns="" xmlns:a16="http://schemas.microsoft.com/office/drawing/2014/main" id="{BE1990A5-B2E7-4281-B75A-4C46CAD0C87D}"/>
                 </a:ext>
               </a:extLst>
             </p:cNvPr>
@@ -18210,7 +18210,7 @@
           <p:cNvPr id="5122" name="Picture 2" descr="Image result for book clipart">
             <a:extLst>
               <a:ext uri="{FF2B5EF4-FFF2-40B4-BE49-F238E27FC236}">
-                <a16:creationId xmlns:a16="http://schemas.microsoft.com/office/drawing/2014/main" xmlns="" id="{86A6CCF8-4EF6-4236-90EA-60BF4A426B78}"/>
+                <a16:creationId xmlns="" xmlns:a16="http://schemas.microsoft.com/office/drawing/2014/main" id="{86A6CCF8-4EF6-4236-90EA-60BF4A426B78}"/>
               </a:ext>
             </a:extLst>
           </p:cNvPr>
@@ -18264,7 +18264,7 @@
           <p:cNvPr id="5124" name="Picture 4" descr="Image result for gavel clipart">
             <a:extLst>
               <a:ext uri="{FF2B5EF4-FFF2-40B4-BE49-F238E27FC236}">
-                <a16:creationId xmlns:a16="http://schemas.microsoft.com/office/drawing/2014/main" xmlns="" id="{DED72CE4-810B-44E3-9434-A5175A7FFB72}"/>
+                <a16:creationId xmlns="" xmlns:a16="http://schemas.microsoft.com/office/drawing/2014/main" id="{DED72CE4-810B-44E3-9434-A5175A7FFB72}"/>
               </a:ext>
             </a:extLst>
           </p:cNvPr>
@@ -18318,7 +18318,7 @@
           <p:cNvPr id="15" name="Group 14">
             <a:extLst>
               <a:ext uri="{FF2B5EF4-FFF2-40B4-BE49-F238E27FC236}">
-                <a16:creationId xmlns:a16="http://schemas.microsoft.com/office/drawing/2014/main" xmlns="" id="{5D54954A-9877-4255-81CC-D50572848878}"/>
+                <a16:creationId xmlns="" xmlns:a16="http://schemas.microsoft.com/office/drawing/2014/main" id="{5D54954A-9877-4255-81CC-D50572848878}"/>
               </a:ext>
             </a:extLst>
           </p:cNvPr>
@@ -18338,7 +18338,7 @@
             <p:cNvPr id="19" name="Rectangle: Rounded Corners 18">
               <a:extLst>
                 <a:ext uri="{FF2B5EF4-FFF2-40B4-BE49-F238E27FC236}">
-                  <a16:creationId xmlns:a16="http://schemas.microsoft.com/office/drawing/2014/main" xmlns="" id="{D7F08CA3-0570-4D2A-9EB7-EB182E1FFD62}"/>
+                  <a16:creationId xmlns="" xmlns:a16="http://schemas.microsoft.com/office/drawing/2014/main" id="{D7F08CA3-0570-4D2A-9EB7-EB182E1FFD62}"/>
                 </a:ext>
               </a:extLst>
             </p:cNvPr>
@@ -18392,7 +18392,7 @@
             <p:cNvPr id="3" name="Freeform: Shape 2">
               <a:extLst>
                 <a:ext uri="{FF2B5EF4-FFF2-40B4-BE49-F238E27FC236}">
-                  <a16:creationId xmlns:a16="http://schemas.microsoft.com/office/drawing/2014/main" xmlns="" id="{77DB97B7-AEEF-4F01-803F-0600122B3772}"/>
+                  <a16:creationId xmlns="" xmlns:a16="http://schemas.microsoft.com/office/drawing/2014/main" id="{77DB97B7-AEEF-4F01-803F-0600122B3772}"/>
                 </a:ext>
               </a:extLst>
             </p:cNvPr>
@@ -18535,7 +18535,7 @@
             <p:cNvPr id="5" name="Freeform: Shape 4">
               <a:extLst>
                 <a:ext uri="{FF2B5EF4-FFF2-40B4-BE49-F238E27FC236}">
-                  <a16:creationId xmlns:a16="http://schemas.microsoft.com/office/drawing/2014/main" xmlns="" id="{CAADED2D-7D18-44E9-82CC-C9696E9488BD}"/>
+                  <a16:creationId xmlns="" xmlns:a16="http://schemas.microsoft.com/office/drawing/2014/main" id="{CAADED2D-7D18-44E9-82CC-C9696E9488BD}"/>
                 </a:ext>
               </a:extLst>
             </p:cNvPr>
@@ -18740,7 +18740,7 @@
             <p:cNvPr id="11" name="Freeform: Shape 10">
               <a:extLst>
                 <a:ext uri="{FF2B5EF4-FFF2-40B4-BE49-F238E27FC236}">
-                  <a16:creationId xmlns:a16="http://schemas.microsoft.com/office/drawing/2014/main" xmlns="" id="{D96C866A-2634-49D9-81EC-8CA983A0A007}"/>
+                  <a16:creationId xmlns="" xmlns:a16="http://schemas.microsoft.com/office/drawing/2014/main" id="{D96C866A-2634-49D9-81EC-8CA983A0A007}"/>
                 </a:ext>
               </a:extLst>
             </p:cNvPr>
@@ -18945,7 +18945,7 @@
             <p:cNvPr id="8" name="Freeform: Shape 7">
               <a:extLst>
                 <a:ext uri="{FF2B5EF4-FFF2-40B4-BE49-F238E27FC236}">
-                  <a16:creationId xmlns:a16="http://schemas.microsoft.com/office/drawing/2014/main" xmlns="" id="{7E3B0BA2-EA34-4326-8807-BDA08641C5E4}"/>
+                  <a16:creationId xmlns="" xmlns:a16="http://schemas.microsoft.com/office/drawing/2014/main" id="{7E3B0BA2-EA34-4326-8807-BDA08641C5E4}"/>
                 </a:ext>
               </a:extLst>
             </p:cNvPr>
@@ -19082,7 +19082,7 @@
             <p:cNvPr id="13" name="Freeform: Shape 12">
               <a:extLst>
                 <a:ext uri="{FF2B5EF4-FFF2-40B4-BE49-F238E27FC236}">
-                  <a16:creationId xmlns:a16="http://schemas.microsoft.com/office/drawing/2014/main" xmlns="" id="{299E573D-5CA5-422A-B196-C17D74E7AD7F}"/>
+                  <a16:creationId xmlns="" xmlns:a16="http://schemas.microsoft.com/office/drawing/2014/main" id="{299E573D-5CA5-422A-B196-C17D74E7AD7F}"/>
                 </a:ext>
               </a:extLst>
             </p:cNvPr>
@@ -19219,7 +19219,7 @@
             <p:cNvPr id="9" name="Rectangle 8">
               <a:extLst>
                 <a:ext uri="{FF2B5EF4-FFF2-40B4-BE49-F238E27FC236}">
-                  <a16:creationId xmlns:a16="http://schemas.microsoft.com/office/drawing/2014/main" xmlns="" id="{92002442-EFAB-4FEA-804A-08A5FDAD6599}"/>
+                  <a16:creationId xmlns="" xmlns:a16="http://schemas.microsoft.com/office/drawing/2014/main" id="{92002442-EFAB-4FEA-804A-08A5FDAD6599}"/>
                 </a:ext>
               </a:extLst>
             </p:cNvPr>
@@ -19271,7 +19271,7 @@
             <p:cNvPr id="12" name="Rectangle: Rounded Corners 11">
               <a:extLst>
                 <a:ext uri="{FF2B5EF4-FFF2-40B4-BE49-F238E27FC236}">
-                  <a16:creationId xmlns:a16="http://schemas.microsoft.com/office/drawing/2014/main" xmlns="" id="{9D0AD769-1D96-46F5-A01C-044092F19D55}"/>
+                  <a16:creationId xmlns="" xmlns:a16="http://schemas.microsoft.com/office/drawing/2014/main" id="{9D0AD769-1D96-46F5-A01C-044092F19D55}"/>
                 </a:ext>
               </a:extLst>
             </p:cNvPr>
@@ -19323,7 +19323,7 @@
             <p:cNvPr id="16" name="Rectangle: Rounded Corners 15">
               <a:extLst>
                 <a:ext uri="{FF2B5EF4-FFF2-40B4-BE49-F238E27FC236}">
-                  <a16:creationId xmlns:a16="http://schemas.microsoft.com/office/drawing/2014/main" xmlns="" id="{D72EABC2-8ED7-4067-9B0C-C6CDB6A484DA}"/>
+                  <a16:creationId xmlns="" xmlns:a16="http://schemas.microsoft.com/office/drawing/2014/main" id="{D72EABC2-8ED7-4067-9B0C-C6CDB6A484DA}"/>
                 </a:ext>
               </a:extLst>
             </p:cNvPr>
@@ -19375,7 +19375,7 @@
             <p:cNvPr id="17" name="Rectangle: Rounded Corners 16">
               <a:extLst>
                 <a:ext uri="{FF2B5EF4-FFF2-40B4-BE49-F238E27FC236}">
-                  <a16:creationId xmlns:a16="http://schemas.microsoft.com/office/drawing/2014/main" xmlns="" id="{BF2E9B02-911A-4248-BC48-1890A0CAFB15}"/>
+                  <a16:creationId xmlns="" xmlns:a16="http://schemas.microsoft.com/office/drawing/2014/main" id="{BF2E9B02-911A-4248-BC48-1890A0CAFB15}"/>
                 </a:ext>
               </a:extLst>
             </p:cNvPr>
@@ -19427,7 +19427,7 @@
             <p:cNvPr id="14" name="Rectangle: Rounded Corners 13">
               <a:extLst>
                 <a:ext uri="{FF2B5EF4-FFF2-40B4-BE49-F238E27FC236}">
-                  <a16:creationId xmlns:a16="http://schemas.microsoft.com/office/drawing/2014/main" xmlns="" id="{09F59B44-8A86-4F8B-A540-385AC08C3E78}"/>
+                  <a16:creationId xmlns="" xmlns:a16="http://schemas.microsoft.com/office/drawing/2014/main" id="{09F59B44-8A86-4F8B-A540-385AC08C3E78}"/>
                 </a:ext>
               </a:extLst>
             </p:cNvPr>
@@ -19481,7 +19481,7 @@
             <p:cNvPr id="6" name="Freeform: Shape 5">
               <a:extLst>
                 <a:ext uri="{FF2B5EF4-FFF2-40B4-BE49-F238E27FC236}">
-                  <a16:creationId xmlns:a16="http://schemas.microsoft.com/office/drawing/2014/main" xmlns="" id="{7897BF7D-A83B-420C-B974-2CC47C744B89}"/>
+                  <a16:creationId xmlns="" xmlns:a16="http://schemas.microsoft.com/office/drawing/2014/main" id="{7897BF7D-A83B-420C-B974-2CC47C744B89}"/>
                 </a:ext>
               </a:extLst>
             </p:cNvPr>
@@ -19624,7 +19624,7 @@
             <p:cNvPr id="20" name="Rectangle: Rounded Corners 19">
               <a:extLst>
                 <a:ext uri="{FF2B5EF4-FFF2-40B4-BE49-F238E27FC236}">
-                  <a16:creationId xmlns:a16="http://schemas.microsoft.com/office/drawing/2014/main" xmlns="" id="{17ECB748-2FC9-46E0-A07C-C2ABECF61835}"/>
+                  <a16:creationId xmlns="" xmlns:a16="http://schemas.microsoft.com/office/drawing/2014/main" id="{17ECB748-2FC9-46E0-A07C-C2ABECF61835}"/>
                 </a:ext>
               </a:extLst>
             </p:cNvPr>
